--- a/OctopusDeployFundamentals/Module1-Infrastructure/Slides/Module1Class4-RegisteringAWindowsTentacle.pptx
+++ b/OctopusDeployFundamentals/Module1-Infrastructure/Slides/Module1Class4-RegisteringAWindowsTentacle.pptx
@@ -807,6 +807,93 @@
               <a:t>Welcome to class 4 of this Infrastructure module for the Octopus Deploy Fundamentals training course.</a:t>
             </a:r>
           </a:p>
+          <a:p>
+            <a:pPr marL="158750" marR="0" lvl="0" indent="0" algn="l" defTabSz="914400" rtl="0" eaLnBrk="1" fontAlgn="auto" latinLnBrk="0" hangingPunct="1">
+              <a:lnSpc>
+                <a:spcPct val="100000"/>
+              </a:lnSpc>
+              <a:spcBef>
+                <a:spcPts val="0"/>
+              </a:spcBef>
+              <a:spcAft>
+                <a:spcPts val="0"/>
+              </a:spcAft>
+              <a:buClr>
+                <a:srgbClr val="000000"/>
+              </a:buClr>
+              <a:buSzPts val="1100"/>
+              <a:buFont typeface="Arial"/>
+              <a:buNone/>
+              <a:tabLst/>
+              <a:defRPr/>
+            </a:pPr>
+            <a:endParaRPr lang="en-GB" b="0" dirty="0">
+              <a:solidFill>
+                <a:srgbClr val="D4D4D4"/>
+              </a:solidFill>
+              <a:effectLst/>
+              <a:latin typeface="Consolas" panose="020B0609020204030204" pitchFamily="49" charset="0"/>
+            </a:endParaRPr>
+          </a:p>
+          <a:p>
+            <a:pPr marL="158750" marR="0" lvl="0" indent="0" algn="l" defTabSz="914400" rtl="0" eaLnBrk="1" fontAlgn="auto" latinLnBrk="0" hangingPunct="1">
+              <a:lnSpc>
+                <a:spcPct val="100000"/>
+              </a:lnSpc>
+              <a:spcBef>
+                <a:spcPts val="0"/>
+              </a:spcBef>
+              <a:spcAft>
+                <a:spcPts val="0"/>
+              </a:spcAft>
+              <a:buClr>
+                <a:srgbClr val="000000"/>
+              </a:buClr>
+              <a:buSzPts val="1100"/>
+              <a:buFont typeface="Arial"/>
+              <a:buNone/>
+              <a:tabLst/>
+              <a:defRPr/>
+            </a:pPr>
+            <a:r>
+              <a:rPr lang="en-GB" b="0" dirty="0">
+                <a:solidFill>
+                  <a:srgbClr val="D4D4D4"/>
+                </a:solidFill>
+                <a:effectLst/>
+                <a:latin typeface="Consolas" panose="020B0609020204030204" pitchFamily="49" charset="0"/>
+              </a:rPr>
+              <a:t>In this class we’ll…</a:t>
+            </a:r>
+          </a:p>
+          <a:p>
+            <a:pPr marL="158750" marR="0" lvl="0" indent="0" algn="l" defTabSz="914400" rtl="0" eaLnBrk="1" fontAlgn="auto" latinLnBrk="0" hangingPunct="1">
+              <a:lnSpc>
+                <a:spcPct val="100000"/>
+              </a:lnSpc>
+              <a:spcBef>
+                <a:spcPts val="0"/>
+              </a:spcBef>
+              <a:spcAft>
+                <a:spcPts val="0"/>
+              </a:spcAft>
+              <a:buClr>
+                <a:srgbClr val="000000"/>
+              </a:buClr>
+              <a:buSzPts val="1100"/>
+              <a:buFont typeface="Arial"/>
+              <a:buNone/>
+              <a:tabLst/>
+              <a:defRPr/>
+            </a:pPr>
+            <a:endParaRPr lang="en-GB" b="0" dirty="0">
+              <a:solidFill>
+                <a:srgbClr val="D4D4D4"/>
+              </a:solidFill>
+              <a:effectLst/>
+              <a:latin typeface="Consolas" panose="020B0609020204030204" pitchFamily="49" charset="0"/>
+            </a:endParaRPr>
+          </a:p>
         </p:txBody>
       </p:sp>
     </p:spTree>
@@ -905,8 +992,24 @@
           </a:bodyPr>
           <a:lstStyle/>
           <a:p>
-            <a:pPr marL="158750" indent="0">
-              <a:buNone/>
+            <a:pPr marL="158750" marR="0" lvl="0" indent="0" algn="l" defTabSz="914400" rtl="0" eaLnBrk="1" fontAlgn="auto" latinLnBrk="0" hangingPunct="1">
+              <a:lnSpc>
+                <a:spcPct val="100000"/>
+              </a:lnSpc>
+              <a:spcBef>
+                <a:spcPts val="0"/>
+              </a:spcBef>
+              <a:spcAft>
+                <a:spcPts val="0"/>
+              </a:spcAft>
+              <a:buClr>
+                <a:srgbClr val="000000"/>
+              </a:buClr>
+              <a:buSzPts val="1100"/>
+              <a:buFontTx/>
+              <a:buNone/>
+              <a:tabLst/>
+              <a:defRPr/>
             </a:pPr>
             <a:r>
               <a:rPr lang="en-GB" b="0" dirty="0">
@@ -916,11 +1019,12 @@
                 <a:effectLst/>
                 <a:latin typeface="Consolas" panose="020B0609020204030204" pitchFamily="49" charset="0"/>
               </a:rPr>
-              <a:t>In this class we’ll:</a:t>
+              <a:t>In this class we’ll…</a:t>
             </a:r>
           </a:p>
           <a:p>
             <a:pPr marL="158750" indent="0">
+              <a:buFontTx/>
               <a:buNone/>
             </a:pPr>
             <a:endParaRPr lang="en-GB" b="0" dirty="0">
@@ -989,6 +1093,28 @@
               </a:spcAft>
               <a:buNone/>
             </a:pPr>
+            <a:endParaRPr lang="en-GB" dirty="0"/>
+          </a:p>
+          <a:p>
+            <a:pPr marL="0" lvl="0" indent="0" algn="l" rtl="0">
+              <a:spcBef>
+                <a:spcPts val="0"/>
+              </a:spcBef>
+              <a:spcAft>
+                <a:spcPts val="0"/>
+              </a:spcAft>
+              <a:buNone/>
+            </a:pPr>
+            <a:r>
+              <a:rPr lang="en-GB" b="0" dirty="0">
+                <a:solidFill>
+                  <a:srgbClr val="D4D4D4"/>
+                </a:solidFill>
+                <a:effectLst/>
+                <a:latin typeface="Consolas" panose="020B0609020204030204" pitchFamily="49" charset="0"/>
+              </a:rPr>
+              <a:t>For the Octopus Server we'll use…</a:t>
+            </a:r>
             <a:endParaRPr dirty="0"/>
           </a:p>
         </p:txBody>
@@ -1111,7 +1237,66 @@
                 <a:effectLst/>
                 <a:latin typeface="Consolas" panose="020B0609020204030204" pitchFamily="49" charset="0"/>
               </a:rPr>
-              <a:t>For the Octopus Server we'll use a free Octopus Cloud trial. For the Deployment Target, we'll use a Windows instance running in AWS EC2.</a:t>
+              <a:t>For the Octopus Server we'll use…</a:t>
+            </a:r>
+          </a:p>
+          <a:p>
+            <a:pPr marL="0" marR="0" lvl="0" indent="0" algn="l" defTabSz="914400" rtl="0" eaLnBrk="1" fontAlgn="auto" latinLnBrk="0" hangingPunct="1">
+              <a:lnSpc>
+                <a:spcPct val="100000"/>
+              </a:lnSpc>
+              <a:spcBef>
+                <a:spcPts val="0"/>
+              </a:spcBef>
+              <a:spcAft>
+                <a:spcPts val="0"/>
+              </a:spcAft>
+              <a:buClr>
+                <a:srgbClr val="000000"/>
+              </a:buClr>
+              <a:buSzPts val="1100"/>
+              <a:buFont typeface="Arial"/>
+              <a:buNone/>
+              <a:tabLst/>
+              <a:defRPr/>
+            </a:pPr>
+            <a:endParaRPr lang="en-GB" b="0" dirty="0">
+              <a:solidFill>
+                <a:srgbClr val="D4D4D4"/>
+              </a:solidFill>
+              <a:effectLst/>
+              <a:latin typeface="Consolas" panose="020B0609020204030204" pitchFamily="49" charset="0"/>
+            </a:endParaRPr>
+          </a:p>
+          <a:p>
+            <a:pPr marL="0" marR="0" lvl="0" indent="0" algn="l" defTabSz="914400" rtl="0" eaLnBrk="1" fontAlgn="auto" latinLnBrk="0" hangingPunct="1">
+              <a:lnSpc>
+                <a:spcPct val="100000"/>
+              </a:lnSpc>
+              <a:spcBef>
+                <a:spcPts val="0"/>
+              </a:spcBef>
+              <a:spcAft>
+                <a:spcPts val="0"/>
+              </a:spcAft>
+              <a:buClr>
+                <a:srgbClr val="000000"/>
+              </a:buClr>
+              <a:buSzPts val="1100"/>
+              <a:buFont typeface="Arial"/>
+              <a:buNone/>
+              <a:tabLst/>
+              <a:defRPr/>
+            </a:pPr>
+            <a:r>
+              <a:rPr lang="en-GB" b="0" dirty="0">
+                <a:solidFill>
+                  <a:srgbClr val="D4D4D4"/>
+                </a:solidFill>
+                <a:effectLst/>
+                <a:latin typeface="Consolas" panose="020B0609020204030204" pitchFamily="49" charset="0"/>
+              </a:rPr>
+              <a:t>…a free Octopus Cloud trial. For the Deployment Target, we'll use a Windows instance running in AWS EC2.</a:t>
             </a:r>
           </a:p>
           <a:p>
@@ -1171,6 +1356,65 @@
                 <a:latin typeface="Consolas" panose="020B0609020204030204" pitchFamily="49" charset="0"/>
               </a:rPr>
               <a:t>If you would like to learn how to set up other types of Deployment Targets, such as a Linux or MacOS server, a Cloud Region, a Kubernetes Cluster or an Offline Package Drop, check out the additional resources associated with this module.</a:t>
+            </a:r>
+          </a:p>
+          <a:p>
+            <a:pPr marL="0" marR="0" lvl="0" indent="0" algn="l" defTabSz="914400" rtl="0" eaLnBrk="1" fontAlgn="auto" latinLnBrk="0" hangingPunct="1">
+              <a:lnSpc>
+                <a:spcPct val="100000"/>
+              </a:lnSpc>
+              <a:spcBef>
+                <a:spcPts val="0"/>
+              </a:spcBef>
+              <a:spcAft>
+                <a:spcPts val="0"/>
+              </a:spcAft>
+              <a:buClr>
+                <a:srgbClr val="000000"/>
+              </a:buClr>
+              <a:buSzPts val="1100"/>
+              <a:buFont typeface="Arial"/>
+              <a:buNone/>
+              <a:tabLst/>
+              <a:defRPr/>
+            </a:pPr>
+            <a:endParaRPr lang="en-GB" b="0" dirty="0">
+              <a:solidFill>
+                <a:srgbClr val="D4D4D4"/>
+              </a:solidFill>
+              <a:effectLst/>
+              <a:latin typeface="Consolas" panose="020B0609020204030204" pitchFamily="49" charset="0"/>
+            </a:endParaRPr>
+          </a:p>
+          <a:p>
+            <a:pPr marL="0" marR="0" lvl="0" indent="0" algn="l" defTabSz="914400" rtl="0" eaLnBrk="1" fontAlgn="auto" latinLnBrk="0" hangingPunct="1">
+              <a:lnSpc>
+                <a:spcPct val="100000"/>
+              </a:lnSpc>
+              <a:spcBef>
+                <a:spcPts val="0"/>
+              </a:spcBef>
+              <a:spcAft>
+                <a:spcPts val="0"/>
+              </a:spcAft>
+              <a:buClr>
+                <a:srgbClr val="000000"/>
+              </a:buClr>
+              <a:buSzPts val="1100"/>
+              <a:buFont typeface="Arial"/>
+              <a:buNone/>
+              <a:tabLst/>
+              <a:defRPr/>
+            </a:pPr>
+            <a:r>
+              <a:rPr lang="en-GB" b="0" dirty="0">
+                <a:solidFill>
+                  <a:srgbClr val="D4D4D4"/>
+                </a:solidFill>
+                <a:effectLst/>
+                <a:latin typeface="Consolas" panose="020B0609020204030204" pitchFamily="49" charset="0"/>
+              </a:rPr>
+              <a:t>&lt;END SECTION&gt;</a:t>
             </a:r>
           </a:p>
           <a:p>
@@ -1884,6 +2128,93 @@
             </a:r>
           </a:p>
           <a:p>
+            <a:pPr marL="0" marR="0" lvl="0" indent="0" algn="l" defTabSz="914400" rtl="0" eaLnBrk="1" fontAlgn="auto" latinLnBrk="0" hangingPunct="1">
+              <a:lnSpc>
+                <a:spcPct val="100000"/>
+              </a:lnSpc>
+              <a:spcBef>
+                <a:spcPts val="0"/>
+              </a:spcBef>
+              <a:spcAft>
+                <a:spcPts val="0"/>
+              </a:spcAft>
+              <a:buClr>
+                <a:srgbClr val="000000"/>
+              </a:buClr>
+              <a:buSzPts val="1100"/>
+              <a:buFont typeface="Arial"/>
+              <a:buNone/>
+              <a:tabLst/>
+              <a:defRPr/>
+            </a:pPr>
+            <a:endParaRPr lang="en-GB" b="0" dirty="0">
+              <a:solidFill>
+                <a:srgbClr val="D4D4D4"/>
+              </a:solidFill>
+              <a:effectLst/>
+              <a:latin typeface="Consolas" panose="020B0609020204030204" pitchFamily="49" charset="0"/>
+            </a:endParaRPr>
+          </a:p>
+          <a:p>
+            <a:pPr marL="0" marR="0" lvl="0" indent="0" algn="l" defTabSz="914400" rtl="0" eaLnBrk="1" fontAlgn="auto" latinLnBrk="0" hangingPunct="1">
+              <a:lnSpc>
+                <a:spcPct val="100000"/>
+              </a:lnSpc>
+              <a:spcBef>
+                <a:spcPts val="0"/>
+              </a:spcBef>
+              <a:spcAft>
+                <a:spcPts val="0"/>
+              </a:spcAft>
+              <a:buClr>
+                <a:srgbClr val="000000"/>
+              </a:buClr>
+              <a:buSzPts val="1100"/>
+              <a:buFont typeface="Arial"/>
+              <a:buNone/>
+              <a:tabLst/>
+              <a:defRPr/>
+            </a:pPr>
+            <a:r>
+              <a:rPr lang="en-GB" b="0" dirty="0">
+                <a:solidFill>
+                  <a:srgbClr val="D4D4D4"/>
+                </a:solidFill>
+                <a:effectLst/>
+                <a:latin typeface="Consolas" panose="020B0609020204030204" pitchFamily="49" charset="0"/>
+              </a:rPr>
+              <a:t>Now it's your turn to register your Deployment Targets…</a:t>
+            </a:r>
+          </a:p>
+          <a:p>
+            <a:pPr marL="0" marR="0" lvl="0" indent="0" algn="l" defTabSz="914400" rtl="0" eaLnBrk="1" fontAlgn="auto" latinLnBrk="0" hangingPunct="1">
+              <a:lnSpc>
+                <a:spcPct val="100000"/>
+              </a:lnSpc>
+              <a:spcBef>
+                <a:spcPts val="0"/>
+              </a:spcBef>
+              <a:spcAft>
+                <a:spcPts val="0"/>
+              </a:spcAft>
+              <a:buClr>
+                <a:srgbClr val="000000"/>
+              </a:buClr>
+              <a:buSzPts val="1100"/>
+              <a:buFont typeface="Arial"/>
+              <a:buNone/>
+              <a:tabLst/>
+              <a:defRPr/>
+            </a:pPr>
+            <a:endParaRPr lang="en-GB" b="0" dirty="0">
+              <a:solidFill>
+                <a:srgbClr val="D4D4D4"/>
+              </a:solidFill>
+              <a:effectLst/>
+              <a:latin typeface="Consolas" panose="020B0609020204030204" pitchFamily="49" charset="0"/>
+            </a:endParaRPr>
+          </a:p>
+          <a:p>
             <a:pPr marL="0" lvl="0" indent="0" algn="l" rtl="0">
               <a:spcBef>
                 <a:spcPts val="0"/>
@@ -2004,7 +2335,34 @@
                 <a:effectLst/>
                 <a:latin typeface="Consolas" panose="020B0609020204030204" pitchFamily="49" charset="0"/>
               </a:rPr>
-              <a:t>Now it's your turn to register your Deployment Targets. Remember:</a:t>
+              <a:t>Now it's your turn to register your Deployment Targets …</a:t>
+            </a:r>
+          </a:p>
+          <a:p>
+            <a:pPr marL="158750" indent="0">
+              <a:buNone/>
+            </a:pPr>
+            <a:endParaRPr lang="en-GB" b="0" dirty="0">
+              <a:solidFill>
+                <a:srgbClr val="D4D4D4"/>
+              </a:solidFill>
+              <a:effectLst/>
+              <a:latin typeface="Consolas" panose="020B0609020204030204" pitchFamily="49" charset="0"/>
+            </a:endParaRPr>
+          </a:p>
+          <a:p>
+            <a:pPr marL="158750" indent="0">
+              <a:buNone/>
+            </a:pPr>
+            <a:r>
+              <a:rPr lang="en-GB" b="0" dirty="0">
+                <a:solidFill>
+                  <a:srgbClr val="D4D4D4"/>
+                </a:solidFill>
+                <a:effectLst/>
+                <a:latin typeface="Consolas" panose="020B0609020204030204" pitchFamily="49" charset="0"/>
+              </a:rPr>
+              <a:t>… Remember:</a:t>
             </a:r>
           </a:p>
           <a:p>
@@ -2088,27 +2446,7 @@
                 <a:effectLst/>
                 <a:latin typeface="Consolas" panose="020B0609020204030204" pitchFamily="49" charset="0"/>
               </a:rPr>
-              <a:t> Troubleshooting information is available in the additional resources that </a:t>
-            </a:r>
-            <a:r>
-              <a:rPr lang="en-GB" b="0" dirty="0" err="1">
-                <a:solidFill>
-                  <a:srgbClr val="D4D4D4"/>
-                </a:solidFill>
-                <a:effectLst/>
-                <a:latin typeface="Consolas" panose="020B0609020204030204" pitchFamily="49" charset="0"/>
-              </a:rPr>
-              <a:t>acompany</a:t>
-            </a:r>
-            <a:r>
-              <a:rPr lang="en-GB" b="0" dirty="0">
-                <a:solidFill>
-                  <a:srgbClr val="D4D4D4"/>
-                </a:solidFill>
-                <a:effectLst/>
-                <a:latin typeface="Consolas" panose="020B0609020204030204" pitchFamily="49" charset="0"/>
-              </a:rPr>
-              <a:t> this module.</a:t>
+              <a:t> Troubleshooting information is available in the additional resources that accompany this module.</a:t>
             </a:r>
           </a:p>
           <a:p>
@@ -6993,7 +7331,7 @@
             </a:pPr>
             <a:r>
               <a:rPr lang="en" sz="1900" dirty="0"/>
-              <a:t>Registering a Tentacle</a:t>
+              <a:t>Register a Tentacle</a:t>
             </a:r>
             <a:br>
               <a:rPr lang="en" sz="1900" dirty="0"/>
@@ -7013,7 +7351,7 @@
             </a:pPr>
             <a:r>
               <a:rPr lang="en" sz="1900" dirty="0"/>
-              <a:t>Adding a Tentacle to an Environment</a:t>
+              <a:t>Add a Tentacle to an Environment</a:t>
             </a:r>
             <a:br>
               <a:rPr lang="en" sz="1900" dirty="0"/>
@@ -7033,7 +7371,7 @@
             </a:pPr>
             <a:r>
               <a:rPr lang="en" sz="1900" dirty="0"/>
-              <a:t>Assigning a Tentacle to a Target Role</a:t>
+              <a:t>Assign a Tentacle to a Target Role</a:t>
             </a:r>
             <a:endParaRPr sz="1900" dirty="0"/>
           </a:p>
@@ -8124,7 +8462,7 @@
             </a:pPr>
             <a:r>
               <a:rPr lang="en" sz="1900" dirty="0"/>
-              <a:t>Automated Tentacle registration</a:t>
+              <a:t>Automate Tentacle registration</a:t>
             </a:r>
             <a:br>
               <a:rPr lang="en" sz="1900" dirty="0"/>
